--- a/Project Poster - Team#5.pptx
+++ b/Project Poster - Team#5.pptx
@@ -3048,16 +3048,16 @@
         </p:nvSpPr>
         <p:spPr>
           <a:xfrm>
-            <a:off x="1908047" y="18312280"/>
-            <a:ext cx="34660429" cy="13898880"/>
+            <a:off x="1908047" y="19485860"/>
+            <a:ext cx="34660429" cy="12725299"/>
           </a:xfrm>
           <a:prstGeom prst="rect">
             <a:avLst/>
           </a:prstGeom>
           <a:solidFill>
             <a:schemeClr val="tx2">
-              <a:lumMod val="20000"/>
-              <a:lumOff val="80000"/>
+              <a:lumMod val="40000"/>
+              <a:lumOff val="60000"/>
             </a:schemeClr>
           </a:solidFill>
         </p:spPr>
@@ -3092,13 +3092,21 @@
         </p:nvSpPr>
         <p:spPr>
           <a:xfrm>
-            <a:off x="2680264" y="18909863"/>
-            <a:ext cx="32996576" cy="11079956"/>
+            <a:off x="1908047" y="17849129"/>
+            <a:ext cx="6321553" cy="1862048"/>
           </a:xfrm>
           <a:prstGeom prst="rect">
             <a:avLst/>
           </a:prstGeom>
           <a:noFill/>
+          <a:effectLst>
+            <a:glow rad="101600">
+              <a:schemeClr val="accent2">
+                <a:satMod val="175000"/>
+                <a:alpha val="40000"/>
+              </a:schemeClr>
+            </a:glow>
+          </a:effectLst>
         </p:spPr>
         <p:txBody>
           <a:bodyPr wrap="square" rtlCol="0">
@@ -3106,23 +3114,26 @@
           </a:bodyPr>
           <a:lstStyle/>
           <a:p>
-            <a:pPr algn="ctr"/>
-            <a:r>
-              <a:rPr lang="en-US" sz="71400" b="1" dirty="0" smtClean="0">
+            <a:r>
+              <a:rPr lang="en-US" sz="11500" b="1" dirty="0" smtClean="0">
                 <a:solidFill>
-                  <a:schemeClr val="bg2">
-                    <a:lumMod val="90000"/>
+                  <a:schemeClr val="tx2">
+                    <a:lumMod val="60000"/>
+                    <a:lumOff val="40000"/>
                   </a:schemeClr>
                 </a:solidFill>
+                <a:effectLst/>
               </a:rPr>
               <a:t>DESIGN</a:t>
             </a:r>
-            <a:endParaRPr lang="en-US" sz="7200" b="1" dirty="0">
+            <a:endParaRPr lang="en-US" sz="11500" b="1" dirty="0">
               <a:solidFill>
-                <a:schemeClr val="bg2">
-                  <a:lumMod val="90000"/>
+                <a:schemeClr val="tx2">
+                  <a:lumMod val="60000"/>
+                  <a:lumOff val="40000"/>
                 </a:schemeClr>
               </a:solidFill>
+              <a:effectLst/>
             </a:endParaRPr>
           </a:p>
         </p:txBody>
@@ -3179,13 +3190,14 @@
         </p:nvSpPr>
         <p:spPr>
           <a:xfrm>
-            <a:off x="3809999" y="3666158"/>
-            <a:ext cx="30815281" cy="1862048"/>
+            <a:off x="26933236" y="2341826"/>
+            <a:ext cx="9579506" cy="1862048"/>
           </a:xfrm>
           <a:prstGeom prst="rect">
             <a:avLst/>
           </a:prstGeom>
           <a:noFill/>
+          <a:effectLst/>
         </p:spPr>
         <p:txBody>
           <a:bodyPr wrap="square" rtlCol="0">
@@ -3193,25 +3205,27 @@
           </a:bodyPr>
           <a:lstStyle/>
           <a:p>
-            <a:pPr algn="ctr"/>
+            <a:pPr algn="r"/>
             <a:r>
               <a:rPr lang="en-US" sz="11500" b="1" dirty="0" smtClean="0">
                 <a:solidFill>
                   <a:schemeClr val="accent1">
-                    <a:lumMod val="60000"/>
-                    <a:lumOff val="40000"/>
+                    <a:lumMod val="40000"/>
+                    <a:lumOff val="60000"/>
                   </a:schemeClr>
                 </a:solidFill>
+                <a:effectLst/>
               </a:rPr>
               <a:t>RESEARCH</a:t>
             </a:r>
             <a:endParaRPr lang="en-US" sz="7200" b="1" dirty="0">
               <a:solidFill>
                 <a:schemeClr val="accent1">
-                  <a:lumMod val="60000"/>
-                  <a:lumOff val="40000"/>
+                  <a:lumMod val="40000"/>
+                  <a:lumOff val="60000"/>
                 </a:schemeClr>
               </a:solidFill>
+              <a:effectLst/>
             </a:endParaRPr>
           </a:p>
         </p:txBody>
@@ -3277,18 +3291,7 @@
                 <a:ea typeface="Adobe Gothic Std B" panose="020B0800000000000000" pitchFamily="34" charset="-128"/>
                 <a:cs typeface="Arial"/>
               </a:rPr>
-              <a:t>VR </a:t>
-            </a:r>
-            <a:r>
-              <a:rPr lang="en-US" sz="12300" b="1" dirty="0" smtClean="0">
-                <a:solidFill>
-                  <a:srgbClr val="104F8B"/>
-                </a:solidFill>
-                <a:latin typeface="Adobe Gothic Std B" panose="020B0800000000000000" pitchFamily="34" charset="-128"/>
-                <a:ea typeface="Adobe Gothic Std B" panose="020B0800000000000000" pitchFamily="34" charset="-128"/>
-                <a:cs typeface="Arial"/>
-              </a:rPr>
-              <a:t>Application Research/Design</a:t>
+              <a:t>VR Application Research/Design</a:t>
             </a:r>
             <a:endParaRPr lang="en-US" sz="12300" b="1" dirty="0">
               <a:solidFill>
@@ -3493,7 +3496,7 @@
         </p:nvSpPr>
         <p:spPr>
           <a:xfrm>
-            <a:off x="14168719" y="20085725"/>
+            <a:off x="14168719" y="21166384"/>
             <a:ext cx="10118329" cy="9941183"/>
           </a:xfrm>
           <a:prstGeom prst="rect">
@@ -3575,7 +3578,7 @@
         </p:nvSpPr>
         <p:spPr>
           <a:xfrm>
-            <a:off x="26045646" y="20066200"/>
+            <a:off x="25720620" y="21395514"/>
             <a:ext cx="10260084" cy="9325630"/>
           </a:xfrm>
           <a:prstGeom prst="rect">
@@ -3709,7 +3712,7 @@
         </p:nvSpPr>
         <p:spPr>
           <a:xfrm>
-            <a:off x="14123363" y="18490138"/>
+            <a:off x="14123363" y="19570797"/>
             <a:ext cx="11678814" cy="1200329"/>
           </a:xfrm>
           <a:prstGeom prst="rect">
@@ -3786,59 +3789,13 @@
       </p:sp>
       <p:sp>
         <p:nvSpPr>
-          <p:cNvPr id="15" name="TextBox 14"/>
-          <p:cNvSpPr txBox="1"/>
-          <p:nvPr/>
-        </p:nvSpPr>
-        <p:spPr>
-          <a:xfrm>
-            <a:off x="2319527" y="18490138"/>
-            <a:ext cx="10118329" cy="1200329"/>
-          </a:xfrm>
-          <a:prstGeom prst="rect">
-            <a:avLst/>
-          </a:prstGeom>
-          <a:noFill/>
-        </p:spPr>
-        <p:txBody>
-          <a:bodyPr wrap="square" rtlCol="0">
-            <a:spAutoFit/>
-          </a:bodyPr>
-          <a:lstStyle/>
-          <a:p>
-            <a:r>
-              <a:rPr lang="en-US" sz="7200" b="1" dirty="0">
-                <a:solidFill>
-                  <a:srgbClr val="104F8B"/>
-                </a:solidFill>
-              </a:rPr>
-              <a:t>System </a:t>
-            </a:r>
-            <a:r>
-              <a:rPr lang="en-US" sz="7200" b="1" dirty="0" smtClean="0">
-                <a:solidFill>
-                  <a:srgbClr val="104F8B"/>
-                </a:solidFill>
-              </a:rPr>
-              <a:t>Design</a:t>
-            </a:r>
-            <a:endParaRPr lang="en-US" sz="7200" b="1" dirty="0">
-              <a:solidFill>
-                <a:srgbClr val="104F8B"/>
-              </a:solidFill>
-            </a:endParaRPr>
-          </a:p>
-        </p:txBody>
-      </p:sp>
-      <p:sp>
-        <p:nvSpPr>
           <p:cNvPr id="16" name="TextBox 15"/>
           <p:cNvSpPr txBox="1"/>
           <p:nvPr/>
         </p:nvSpPr>
         <p:spPr>
           <a:xfrm>
-            <a:off x="26045646" y="18586599"/>
+            <a:off x="25720620" y="19915913"/>
             <a:ext cx="10118329" cy="2123658"/>
           </a:xfrm>
           <a:prstGeom prst="rect">
@@ -3978,19 +3935,21 @@
         </p:blipFill>
         <p:spPr>
           <a:xfrm>
-            <a:off x="2880360" y="22707877"/>
+            <a:off x="2880360" y="23913222"/>
             <a:ext cx="9275955" cy="5871935"/>
           </a:xfrm>
           <a:prstGeom prst="rect">
             <a:avLst/>
           </a:prstGeom>
+          <a:ln>
+            <a:noFill/>
+          </a:ln>
           <a:effectLst>
-            <a:glow rad="63500">
-              <a:schemeClr val="accent1">
-                <a:satMod val="175000"/>
-                <a:alpha val="40000"/>
-              </a:schemeClr>
-            </a:glow>
+            <a:outerShdw blurRad="292100" dist="139700" dir="2700000" algn="tl" rotWithShape="0">
+              <a:srgbClr val="333333">
+                <a:alpha val="65000"/>
+              </a:srgbClr>
+            </a:outerShdw>
           </a:effectLst>
         </p:spPr>
       </p:pic>
@@ -4002,7 +3961,7 @@
         </p:nvSpPr>
         <p:spPr>
           <a:xfrm>
-            <a:off x="2375464" y="20199764"/>
+            <a:off x="2375464" y="21405109"/>
             <a:ext cx="10878139" cy="1938992"/>
           </a:xfrm>
           <a:prstGeom prst="rect">
